--- a/Data2014/Analysis20150115.pptx
+++ b/Data2014/Analysis20150115.pptx
@@ -289,6 +289,7 @@
           <a:p>
             <a:fld id="{E2F4E6FB-4579-4D9C-8124-413C831DE47C}" type="datetimeFigureOut">
               <a:rPr lang="en-US" smtClean="0"/>
+              <a:pPr/>
               <a:t>1/14/2015</a:t>
             </a:fld>
             <a:endParaRPr lang="en-US"/>
@@ -331,6 +332,7 @@
           <a:p>
             <a:fld id="{C834C636-39A8-4325-A262-9FEA42EA9139}" type="slidenum">
               <a:rPr lang="en-US" smtClean="0"/>
+              <a:pPr/>
               <a:t>‹#›</a:t>
             </a:fld>
             <a:endParaRPr lang="en-US"/>
@@ -454,6 +456,7 @@
           <a:p>
             <a:fld id="{E2F4E6FB-4579-4D9C-8124-413C831DE47C}" type="datetimeFigureOut">
               <a:rPr lang="en-US" smtClean="0"/>
+              <a:pPr/>
               <a:t>1/14/2015</a:t>
             </a:fld>
             <a:endParaRPr lang="en-US"/>
@@ -496,6 +499,7 @@
           <a:p>
             <a:fld id="{C834C636-39A8-4325-A262-9FEA42EA9139}" type="slidenum">
               <a:rPr lang="en-US" smtClean="0"/>
+              <a:pPr/>
               <a:t>‹#›</a:t>
             </a:fld>
             <a:endParaRPr lang="en-US"/>
@@ -629,6 +633,7 @@
           <a:p>
             <a:fld id="{E2F4E6FB-4579-4D9C-8124-413C831DE47C}" type="datetimeFigureOut">
               <a:rPr lang="en-US" smtClean="0"/>
+              <a:pPr/>
               <a:t>1/14/2015</a:t>
             </a:fld>
             <a:endParaRPr lang="en-US"/>
@@ -671,6 +676,7 @@
           <a:p>
             <a:fld id="{C834C636-39A8-4325-A262-9FEA42EA9139}" type="slidenum">
               <a:rPr lang="en-US" smtClean="0"/>
+              <a:pPr/>
               <a:t>‹#›</a:t>
             </a:fld>
             <a:endParaRPr lang="en-US"/>
@@ -794,6 +800,7 @@
           <a:p>
             <a:fld id="{E2F4E6FB-4579-4D9C-8124-413C831DE47C}" type="datetimeFigureOut">
               <a:rPr lang="en-US" smtClean="0"/>
+              <a:pPr/>
               <a:t>1/14/2015</a:t>
             </a:fld>
             <a:endParaRPr lang="en-US"/>
@@ -836,6 +843,7 @@
           <a:p>
             <a:fld id="{C834C636-39A8-4325-A262-9FEA42EA9139}" type="slidenum">
               <a:rPr lang="en-US" smtClean="0"/>
+              <a:pPr/>
               <a:t>‹#›</a:t>
             </a:fld>
             <a:endParaRPr lang="en-US"/>
@@ -1035,6 +1043,7 @@
           <a:p>
             <a:fld id="{E2F4E6FB-4579-4D9C-8124-413C831DE47C}" type="datetimeFigureOut">
               <a:rPr lang="en-US" smtClean="0"/>
+              <a:pPr/>
               <a:t>1/14/2015</a:t>
             </a:fld>
             <a:endParaRPr lang="en-US"/>
@@ -1077,6 +1086,7 @@
           <a:p>
             <a:fld id="{C834C636-39A8-4325-A262-9FEA42EA9139}" type="slidenum">
               <a:rPr lang="en-US" smtClean="0"/>
+              <a:pPr/>
               <a:t>‹#›</a:t>
             </a:fld>
             <a:endParaRPr lang="en-US"/>
@@ -1318,6 +1328,7 @@
           <a:p>
             <a:fld id="{E2F4E6FB-4579-4D9C-8124-413C831DE47C}" type="datetimeFigureOut">
               <a:rPr lang="en-US" smtClean="0"/>
+              <a:pPr/>
               <a:t>1/14/2015</a:t>
             </a:fld>
             <a:endParaRPr lang="en-US"/>
@@ -1360,6 +1371,7 @@
           <a:p>
             <a:fld id="{C834C636-39A8-4325-A262-9FEA42EA9139}" type="slidenum">
               <a:rPr lang="en-US" smtClean="0"/>
+              <a:pPr/>
               <a:t>‹#›</a:t>
             </a:fld>
             <a:endParaRPr lang="en-US"/>
@@ -1735,6 +1747,7 @@
           <a:p>
             <a:fld id="{E2F4E6FB-4579-4D9C-8124-413C831DE47C}" type="datetimeFigureOut">
               <a:rPr lang="en-US" smtClean="0"/>
+              <a:pPr/>
               <a:t>1/14/2015</a:t>
             </a:fld>
             <a:endParaRPr lang="en-US"/>
@@ -1777,6 +1790,7 @@
           <a:p>
             <a:fld id="{C834C636-39A8-4325-A262-9FEA42EA9139}" type="slidenum">
               <a:rPr lang="en-US" smtClean="0"/>
+              <a:pPr/>
               <a:t>‹#›</a:t>
             </a:fld>
             <a:endParaRPr lang="en-US"/>
@@ -1848,6 +1862,7 @@
           <a:p>
             <a:fld id="{E2F4E6FB-4579-4D9C-8124-413C831DE47C}" type="datetimeFigureOut">
               <a:rPr lang="en-US" smtClean="0"/>
+              <a:pPr/>
               <a:t>1/14/2015</a:t>
             </a:fld>
             <a:endParaRPr lang="en-US"/>
@@ -1890,6 +1905,7 @@
           <a:p>
             <a:fld id="{C834C636-39A8-4325-A262-9FEA42EA9139}" type="slidenum">
               <a:rPr lang="en-US" smtClean="0"/>
+              <a:pPr/>
               <a:t>‹#›</a:t>
             </a:fld>
             <a:endParaRPr lang="en-US"/>
@@ -1938,6 +1954,7 @@
           <a:p>
             <a:fld id="{E2F4E6FB-4579-4D9C-8124-413C831DE47C}" type="datetimeFigureOut">
               <a:rPr lang="en-US" smtClean="0"/>
+              <a:pPr/>
               <a:t>1/14/2015</a:t>
             </a:fld>
             <a:endParaRPr lang="en-US"/>
@@ -1980,6 +1997,7 @@
           <a:p>
             <a:fld id="{C834C636-39A8-4325-A262-9FEA42EA9139}" type="slidenum">
               <a:rPr lang="en-US" smtClean="0"/>
+              <a:pPr/>
               <a:t>‹#›</a:t>
             </a:fld>
             <a:endParaRPr lang="en-US"/>
@@ -2210,6 +2228,7 @@
           <a:p>
             <a:fld id="{E2F4E6FB-4579-4D9C-8124-413C831DE47C}" type="datetimeFigureOut">
               <a:rPr lang="en-US" smtClean="0"/>
+              <a:pPr/>
               <a:t>1/14/2015</a:t>
             </a:fld>
             <a:endParaRPr lang="en-US"/>
@@ -2252,6 +2271,7 @@
           <a:p>
             <a:fld id="{C834C636-39A8-4325-A262-9FEA42EA9139}" type="slidenum">
               <a:rPr lang="en-US" smtClean="0"/>
+              <a:pPr/>
               <a:t>‹#›</a:t>
             </a:fld>
             <a:endParaRPr lang="en-US"/>
@@ -2458,6 +2478,7 @@
           <a:p>
             <a:fld id="{E2F4E6FB-4579-4D9C-8124-413C831DE47C}" type="datetimeFigureOut">
               <a:rPr lang="en-US" smtClean="0"/>
+              <a:pPr/>
               <a:t>1/14/2015</a:t>
             </a:fld>
             <a:endParaRPr lang="en-US"/>
@@ -2500,6 +2521,7 @@
           <a:p>
             <a:fld id="{C834C636-39A8-4325-A262-9FEA42EA9139}" type="slidenum">
               <a:rPr lang="en-US" smtClean="0"/>
+              <a:pPr/>
               <a:t>‹#›</a:t>
             </a:fld>
             <a:endParaRPr lang="en-US"/>
@@ -2666,6 +2688,7 @@
           <a:p>
             <a:fld id="{E2F4E6FB-4579-4D9C-8124-413C831DE47C}" type="datetimeFigureOut">
               <a:rPr lang="en-US" smtClean="0"/>
+              <a:pPr/>
               <a:t>1/14/2015</a:t>
             </a:fld>
             <a:endParaRPr lang="en-US"/>
@@ -2744,6 +2767,7 @@
           <a:p>
             <a:fld id="{C834C636-39A8-4325-A262-9FEA42EA9139}" type="slidenum">
               <a:rPr lang="en-US" smtClean="0"/>
+              <a:pPr/>
               <a:t>‹#›</a:t>
             </a:fld>
             <a:endParaRPr lang="en-US"/>
@@ -3265,12 +3289,54 @@
           <a:p>
             <a:r>
               <a:rPr lang="en-US" dirty="0" smtClean="0"/>
-              <a:t>1035 for Beagle/Unfrozen/Unfiltered</a:t>
-            </a:r>
-            <a:endParaRPr lang="en-US" dirty="0"/>
-          </a:p>
-        </p:txBody>
-      </p:sp>
+              <a:t>1035 for </a:t>
+            </a:r>
+            <a:r>
+              <a:rPr lang="en-US" dirty="0" smtClean="0"/>
+              <a:t>Beagle/Unfrozen/Unfiltered</a:t>
+            </a:r>
+          </a:p>
+          <a:p>
+            <a:pPr>
+              <a:buNone/>
+            </a:pPr>
+            <a:endParaRPr lang="en-US" dirty="0" smtClean="0"/>
+          </a:p>
+        </p:txBody>
+      </p:sp>
+      <p:pic>
+        <p:nvPicPr>
+          <p:cNvPr id="4" name="Picture 2"/>
+          <p:cNvPicPr>
+            <a:picLocks noChangeAspect="1" noChangeArrowheads="1"/>
+          </p:cNvPicPr>
+          <p:nvPr/>
+        </p:nvPicPr>
+        <p:blipFill>
+          <a:blip r:embed="rId2" cstate="print"/>
+          <a:srcRect/>
+          <a:stretch>
+            <a:fillRect/>
+          </a:stretch>
+        </p:blipFill>
+        <p:spPr bwMode="auto">
+          <a:xfrm>
+            <a:off x="457200" y="3276600"/>
+            <a:ext cx="8202706" cy="2286000"/>
+          </a:xfrm>
+          <a:prstGeom prst="rect">
+            <a:avLst/>
+          </a:prstGeom>
+          <a:noFill/>
+          <a:ln w="9525">
+            <a:noFill/>
+            <a:miter lim="800000"/>
+            <a:headEnd/>
+            <a:tailEnd/>
+          </a:ln>
+          <a:effectLst/>
+        </p:spPr>
+      </p:pic>
     </p:spTree>
   </p:cSld>
   <p:clrMapOvr>

--- a/Data2014/Analysis20150115.pptx
+++ b/Data2014/Analysis20150115.pptx
@@ -5,8 +5,15 @@
     <p:sldMasterId id="2147483648" r:id="rId1"/>
   </p:sldMasterIdLst>
   <p:sldIdLst>
-    <p:sldId id="256" r:id="rId2"/>
-    <p:sldId id="257" r:id="rId3"/>
+    <p:sldId id="264" r:id="rId2"/>
+    <p:sldId id="256" r:id="rId3"/>
+    <p:sldId id="257" r:id="rId4"/>
+    <p:sldId id="258" r:id="rId5"/>
+    <p:sldId id="259" r:id="rId6"/>
+    <p:sldId id="260" r:id="rId7"/>
+    <p:sldId id="261" r:id="rId8"/>
+    <p:sldId id="262" r:id="rId9"/>
+    <p:sldId id="263" r:id="rId10"/>
   </p:sldIdLst>
   <p:sldSz cx="9144000" cy="6858000" type="screen4x3"/>
   <p:notesSz cx="6858000" cy="9144000"/>
@@ -290,7 +297,7 @@
             <a:fld id="{E2F4E6FB-4579-4D9C-8124-413C831DE47C}" type="datetimeFigureOut">
               <a:rPr lang="en-US" smtClean="0"/>
               <a:pPr/>
-              <a:t>1/14/2015</a:t>
+              <a:t>1/15/2015</a:t>
             </a:fld>
             <a:endParaRPr lang="en-US"/>
           </a:p>
@@ -457,7 +464,7 @@
             <a:fld id="{E2F4E6FB-4579-4D9C-8124-413C831DE47C}" type="datetimeFigureOut">
               <a:rPr lang="en-US" smtClean="0"/>
               <a:pPr/>
-              <a:t>1/14/2015</a:t>
+              <a:t>1/15/2015</a:t>
             </a:fld>
             <a:endParaRPr lang="en-US"/>
           </a:p>
@@ -634,7 +641,7 @@
             <a:fld id="{E2F4E6FB-4579-4D9C-8124-413C831DE47C}" type="datetimeFigureOut">
               <a:rPr lang="en-US" smtClean="0"/>
               <a:pPr/>
-              <a:t>1/14/2015</a:t>
+              <a:t>1/15/2015</a:t>
             </a:fld>
             <a:endParaRPr lang="en-US"/>
           </a:p>
@@ -801,7 +808,7 @@
             <a:fld id="{E2F4E6FB-4579-4D9C-8124-413C831DE47C}" type="datetimeFigureOut">
               <a:rPr lang="en-US" smtClean="0"/>
               <a:pPr/>
-              <a:t>1/14/2015</a:t>
+              <a:t>1/15/2015</a:t>
             </a:fld>
             <a:endParaRPr lang="en-US"/>
           </a:p>
@@ -1044,7 +1051,7 @@
             <a:fld id="{E2F4E6FB-4579-4D9C-8124-413C831DE47C}" type="datetimeFigureOut">
               <a:rPr lang="en-US" smtClean="0"/>
               <a:pPr/>
-              <a:t>1/14/2015</a:t>
+              <a:t>1/15/2015</a:t>
             </a:fld>
             <a:endParaRPr lang="en-US"/>
           </a:p>
@@ -1329,7 +1336,7 @@
             <a:fld id="{E2F4E6FB-4579-4D9C-8124-413C831DE47C}" type="datetimeFigureOut">
               <a:rPr lang="en-US" smtClean="0"/>
               <a:pPr/>
-              <a:t>1/14/2015</a:t>
+              <a:t>1/15/2015</a:t>
             </a:fld>
             <a:endParaRPr lang="en-US"/>
           </a:p>
@@ -1748,7 +1755,7 @@
             <a:fld id="{E2F4E6FB-4579-4D9C-8124-413C831DE47C}" type="datetimeFigureOut">
               <a:rPr lang="en-US" smtClean="0"/>
               <a:pPr/>
-              <a:t>1/14/2015</a:t>
+              <a:t>1/15/2015</a:t>
             </a:fld>
             <a:endParaRPr lang="en-US"/>
           </a:p>
@@ -1863,7 +1870,7 @@
             <a:fld id="{E2F4E6FB-4579-4D9C-8124-413C831DE47C}" type="datetimeFigureOut">
               <a:rPr lang="en-US" smtClean="0"/>
               <a:pPr/>
-              <a:t>1/14/2015</a:t>
+              <a:t>1/15/2015</a:t>
             </a:fld>
             <a:endParaRPr lang="en-US"/>
           </a:p>
@@ -1955,7 +1962,7 @@
             <a:fld id="{E2F4E6FB-4579-4D9C-8124-413C831DE47C}" type="datetimeFigureOut">
               <a:rPr lang="en-US" smtClean="0"/>
               <a:pPr/>
-              <a:t>1/14/2015</a:t>
+              <a:t>1/15/2015</a:t>
             </a:fld>
             <a:endParaRPr lang="en-US"/>
           </a:p>
@@ -2229,7 +2236,7 @@
             <a:fld id="{E2F4E6FB-4579-4D9C-8124-413C831DE47C}" type="datetimeFigureOut">
               <a:rPr lang="en-US" smtClean="0"/>
               <a:pPr/>
-              <a:t>1/14/2015</a:t>
+              <a:t>1/15/2015</a:t>
             </a:fld>
             <a:endParaRPr lang="en-US"/>
           </a:p>
@@ -2479,7 +2486,7 @@
             <a:fld id="{E2F4E6FB-4579-4D9C-8124-413C831DE47C}" type="datetimeFigureOut">
               <a:rPr lang="en-US" smtClean="0"/>
               <a:pPr/>
-              <a:t>1/14/2015</a:t>
+              <a:t>1/15/2015</a:t>
             </a:fld>
             <a:endParaRPr lang="en-US"/>
           </a:p>
@@ -2689,7 +2696,7 @@
             <a:fld id="{E2F4E6FB-4579-4D9C-8124-413C831DE47C}" type="datetimeFigureOut">
               <a:rPr lang="en-US" smtClean="0"/>
               <a:pPr/>
-              <a:t>1/14/2015</a:t>
+              <a:t>1/15/2015</a:t>
             </a:fld>
             <a:endParaRPr lang="en-US"/>
           </a:p>
@@ -3060,6 +3067,148 @@
           <a:chExt cx="0" cy="0"/>
         </a:xfrm>
       </p:grpSpPr>
+      <p:pic>
+        <p:nvPicPr>
+          <p:cNvPr id="1026" name="Picture 2"/>
+          <p:cNvPicPr>
+            <a:picLocks noGrp="1" noChangeAspect="1" noChangeArrowheads="1"/>
+          </p:cNvPicPr>
+          <p:nvPr>
+            <p:ph idx="1"/>
+          </p:nvPr>
+        </p:nvPicPr>
+        <p:blipFill rotWithShape="1">
+          <a:blip r:embed="rId2">
+            <a:extLst>
+              <a:ext uri="{28A0092B-C50C-407E-A947-70E740481C1C}">
+                <a14:useLocalDpi xmlns:a14="http://schemas.microsoft.com/office/drawing/2010/main" val="0"/>
+              </a:ext>
+            </a:extLst>
+          </a:blip>
+          <a:srcRect l="20875" t="32992" r="2862" b="6990"/>
+          <a:stretch/>
+        </p:blipFill>
+        <p:spPr bwMode="auto">
+          <a:xfrm>
+            <a:off x="228600" y="0"/>
+            <a:ext cx="8720490" cy="3657600"/>
+          </a:xfrm>
+          <a:prstGeom prst="rect">
+            <a:avLst/>
+          </a:prstGeom>
+          <a:noFill/>
+          <a:ln>
+            <a:noFill/>
+          </a:ln>
+          <a:extLst>
+            <a:ext uri="{909E8E84-426E-40DD-AFC4-6F175D3DCCD1}">
+              <a14:hiddenFill xmlns:a14="http://schemas.microsoft.com/office/drawing/2010/main">
+                <a:solidFill>
+                  <a:schemeClr val="accent1"/>
+                </a:solidFill>
+              </a14:hiddenFill>
+            </a:ext>
+            <a:ext uri="{91240B29-F687-4F45-9708-019B960494DF}">
+              <a14:hiddenLine xmlns:a14="http://schemas.microsoft.com/office/drawing/2010/main" w="9525">
+                <a:solidFill>
+                  <a:schemeClr val="tx1"/>
+                </a:solidFill>
+                <a:miter lim="800000"/>
+                <a:headEnd/>
+                <a:tailEnd/>
+              </a14:hiddenLine>
+            </a:ext>
+          </a:extLst>
+        </p:spPr>
+      </p:pic>
+      <p:sp>
+        <p:nvSpPr>
+          <p:cNvPr id="2" name="Title 1"/>
+          <p:cNvSpPr>
+            <a:spLocks noGrp="1"/>
+          </p:cNvSpPr>
+          <p:nvPr>
+            <p:ph type="title"/>
+          </p:nvPr>
+        </p:nvSpPr>
+        <p:spPr>
+          <a:xfrm>
+            <a:off x="0" y="3352800"/>
+            <a:ext cx="9144000" cy="3505200"/>
+          </a:xfrm>
+        </p:spPr>
+        <p:txBody>
+          <a:bodyPr>
+            <a:noAutofit/>
+          </a:bodyPr>
+          <a:lstStyle/>
+          <a:p>
+            <a:r>
+              <a:rPr lang="en-US" sz="3200" dirty="0"/>
+              <a:t>Happy families are all alike; every</a:t>
+            </a:r>
+            <a:br>
+              <a:rPr lang="en-US" sz="3200" dirty="0"/>
+            </a:br>
+            <a:r>
+              <a:rPr lang="en-US" sz="3200" dirty="0"/>
+              <a:t>unhappy family is unhappy in its own</a:t>
+            </a:r>
+            <a:br>
+              <a:rPr lang="en-US" sz="3200" dirty="0"/>
+            </a:br>
+            <a:r>
+              <a:rPr lang="en-US" sz="3200" dirty="0"/>
+              <a:t>way.</a:t>
+            </a:r>
+            <a:br>
+              <a:rPr lang="en-US" sz="3200" dirty="0"/>
+            </a:br>
+            <a:r>
+              <a:rPr lang="en-US" sz="3200" dirty="0"/>
+              <a:t>Leo Tolstoy</a:t>
+            </a:r>
+            <a:br>
+              <a:rPr lang="en-US" sz="3200" dirty="0"/>
+            </a:br>
+            <a:r>
+              <a:rPr lang="en-US" sz="3200" dirty="0"/>
+              <a:t>Like families, tidy datasets are all alike but every messy dataset is messy in its own way.</a:t>
+            </a:r>
+            <a:endParaRPr lang="en-US" sz="3200" dirty="0"/>
+          </a:p>
+        </p:txBody>
+      </p:sp>
+    </p:spTree>
+    <p:extLst>
+      <p:ext uri="{BB962C8B-B14F-4D97-AF65-F5344CB8AC3E}">
+        <p14:creationId xmlns:p14="http://schemas.microsoft.com/office/powerpoint/2010/main" val="1424486360"/>
+      </p:ext>
+    </p:extLst>
+  </p:cSld>
+  <p:clrMapOvr>
+    <a:masterClrMapping/>
+  </p:clrMapOvr>
+</p:sld>
+</file>
+
+<file path=ppt/slides/slide2.xml><?xml version="1.0" encoding="utf-8"?>
+<p:sld xmlns:a="http://schemas.openxmlformats.org/drawingml/2006/main" xmlns:r="http://schemas.openxmlformats.org/officeDocument/2006/relationships" xmlns:p="http://schemas.openxmlformats.org/presentationml/2006/main">
+  <p:cSld>
+    <p:spTree>
+      <p:nvGrpSpPr>
+        <p:cNvPr id="1" name=""/>
+        <p:cNvGrpSpPr/>
+        <p:nvPr/>
+      </p:nvGrpSpPr>
+      <p:grpSpPr>
+        <a:xfrm>
+          <a:off x="0" y="0"/>
+          <a:ext cx="0" cy="0"/>
+          <a:chOff x="0" y="0"/>
+          <a:chExt cx="0" cy="0"/>
+        </a:xfrm>
+      </p:grpSpPr>
       <p:sp>
         <p:nvSpPr>
           <p:cNvPr id="2" name="Title 1"/>
@@ -3226,7 +3375,7 @@
 </p:sld>
 </file>
 
-<file path=ppt/slides/slide2.xml><?xml version="1.0" encoding="utf-8"?>
+<file path=ppt/slides/slide3.xml><?xml version="1.0" encoding="utf-8"?>
 <p:sld xmlns:a="http://schemas.openxmlformats.org/drawingml/2006/main" xmlns:r="http://schemas.openxmlformats.org/officeDocument/2006/relationships" xmlns:p="http://schemas.openxmlformats.org/presentationml/2006/main">
   <p:cSld>
     <p:spTree>
@@ -3289,11 +3438,7 @@
           <a:p>
             <a:r>
               <a:rPr lang="en-US" dirty="0" smtClean="0"/>
-              <a:t>1035 for </a:t>
-            </a:r>
-            <a:r>
-              <a:rPr lang="en-US" dirty="0" smtClean="0"/>
-              <a:t>Beagle/Unfrozen/Unfiltered</a:t>
+              <a:t>1035 for Beagle/Unfrozen/Unfiltered</a:t>
             </a:r>
           </a:p>
           <a:p>
@@ -3338,6 +3483,707 @@
         </p:spPr>
       </p:pic>
     </p:spTree>
+  </p:cSld>
+  <p:clrMapOvr>
+    <a:masterClrMapping/>
+  </p:clrMapOvr>
+</p:sld>
+</file>
+
+<file path=ppt/slides/slide4.xml><?xml version="1.0" encoding="utf-8"?>
+<p:sld xmlns:a="http://schemas.openxmlformats.org/drawingml/2006/main" xmlns:r="http://schemas.openxmlformats.org/officeDocument/2006/relationships" xmlns:p="http://schemas.openxmlformats.org/presentationml/2006/main">
+  <p:cSld>
+    <p:spTree>
+      <p:nvGrpSpPr>
+        <p:cNvPr id="1" name=""/>
+        <p:cNvGrpSpPr/>
+        <p:nvPr/>
+      </p:nvGrpSpPr>
+      <p:grpSpPr>
+        <a:xfrm>
+          <a:off x="0" y="0"/>
+          <a:ext cx="0" cy="0"/>
+          <a:chOff x="0" y="0"/>
+          <a:chExt cx="0" cy="0"/>
+        </a:xfrm>
+      </p:grpSpPr>
+      <p:sp>
+        <p:nvSpPr>
+          <p:cNvPr id="2" name="Title 1"/>
+          <p:cNvSpPr>
+            <a:spLocks noGrp="1"/>
+          </p:cNvSpPr>
+          <p:nvPr>
+            <p:ph type="title"/>
+          </p:nvPr>
+        </p:nvSpPr>
+        <p:spPr/>
+        <p:txBody>
+          <a:bodyPr>
+            <a:normAutofit fontScale="90000"/>
+          </a:bodyPr>
+          <a:lstStyle/>
+          <a:p>
+            <a:r>
+              <a:rPr lang="en-US" dirty="0" smtClean="0"/>
+              <a:t>Number of Waterbodies by Organization</a:t>
+            </a:r>
+            <a:endParaRPr lang="en-US" dirty="0"/>
+          </a:p>
+        </p:txBody>
+      </p:sp>
+      <p:pic>
+        <p:nvPicPr>
+          <p:cNvPr id="1025" name="Picture 1"/>
+          <p:cNvPicPr>
+            <a:picLocks noChangeAspect="1" noChangeArrowheads="1"/>
+          </p:cNvPicPr>
+          <p:nvPr/>
+        </p:nvPicPr>
+        <p:blipFill>
+          <a:blip r:embed="rId2">
+            <a:extLst>
+              <a:ext uri="{28A0092B-C50C-407E-A947-70E740481C1C}">
+                <a14:useLocalDpi xmlns:a14="http://schemas.microsoft.com/office/drawing/2010/main" val="0"/>
+              </a:ext>
+            </a:extLst>
+          </a:blip>
+          <a:srcRect/>
+          <a:stretch>
+            <a:fillRect/>
+          </a:stretch>
+        </p:blipFill>
+        <p:spPr bwMode="auto">
+          <a:xfrm>
+            <a:off x="147637" y="2133600"/>
+            <a:ext cx="8920163" cy="996278"/>
+          </a:xfrm>
+          <a:prstGeom prst="rect">
+            <a:avLst/>
+          </a:prstGeom>
+          <a:noFill/>
+          <a:ln>
+            <a:noFill/>
+          </a:ln>
+          <a:effectLst/>
+          <a:extLst>
+            <a:ext uri="{909E8E84-426E-40DD-AFC4-6F175D3DCCD1}">
+              <a14:hiddenFill xmlns:a14="http://schemas.microsoft.com/office/drawing/2010/main">
+                <a:solidFill>
+                  <a:schemeClr val="accent1"/>
+                </a:solidFill>
+              </a14:hiddenFill>
+            </a:ext>
+            <a:ext uri="{91240B29-F687-4F45-9708-019B960494DF}">
+              <a14:hiddenLine xmlns:a14="http://schemas.microsoft.com/office/drawing/2010/main" w="9525">
+                <a:solidFill>
+                  <a:schemeClr val="tx1"/>
+                </a:solidFill>
+                <a:miter lim="800000"/>
+                <a:headEnd/>
+                <a:tailEnd/>
+              </a14:hiddenLine>
+            </a:ext>
+            <a:ext uri="{AF507438-7753-43E0-B8FC-AC1667EBCBE1}">
+              <a14:hiddenEffects xmlns:a14="http://schemas.microsoft.com/office/drawing/2010/main">
+                <a:effectLst>
+                  <a:outerShdw dist="35921" dir="2700000" algn="ctr" rotWithShape="0">
+                    <a:schemeClr val="bg2"/>
+                  </a:outerShdw>
+                </a:effectLst>
+              </a14:hiddenEffects>
+            </a:ext>
+          </a:extLst>
+        </p:spPr>
+      </p:pic>
+    </p:spTree>
+    <p:extLst>
+      <p:ext uri="{BB962C8B-B14F-4D97-AF65-F5344CB8AC3E}">
+        <p14:creationId xmlns:p14="http://schemas.microsoft.com/office/powerpoint/2010/main" val="767249172"/>
+      </p:ext>
+    </p:extLst>
+  </p:cSld>
+  <p:clrMapOvr>
+    <a:masterClrMapping/>
+  </p:clrMapOvr>
+</p:sld>
+</file>
+
+<file path=ppt/slides/slide5.xml><?xml version="1.0" encoding="utf-8"?>
+<p:sld xmlns:a="http://schemas.openxmlformats.org/drawingml/2006/main" xmlns:r="http://schemas.openxmlformats.org/officeDocument/2006/relationships" xmlns:p="http://schemas.openxmlformats.org/presentationml/2006/main">
+  <p:cSld>
+    <p:spTree>
+      <p:nvGrpSpPr>
+        <p:cNvPr id="1" name=""/>
+        <p:cNvGrpSpPr/>
+        <p:nvPr/>
+      </p:nvGrpSpPr>
+      <p:grpSpPr>
+        <a:xfrm>
+          <a:off x="0" y="0"/>
+          <a:ext cx="0" cy="0"/>
+          <a:chOff x="0" y="0"/>
+          <a:chExt cx="0" cy="0"/>
+        </a:xfrm>
+      </p:grpSpPr>
+      <p:sp>
+        <p:nvSpPr>
+          <p:cNvPr id="2" name="Title 1"/>
+          <p:cNvSpPr>
+            <a:spLocks noGrp="1"/>
+          </p:cNvSpPr>
+          <p:nvPr>
+            <p:ph type="title"/>
+          </p:nvPr>
+        </p:nvSpPr>
+        <p:spPr/>
+        <p:txBody>
+          <a:bodyPr/>
+          <a:lstStyle/>
+          <a:p>
+            <a:r>
+              <a:rPr lang="en-US" dirty="0" smtClean="0"/>
+              <a:t>Samples by Depth</a:t>
+            </a:r>
+            <a:endParaRPr lang="en-US" dirty="0"/>
+          </a:p>
+        </p:txBody>
+      </p:sp>
+      <p:pic>
+        <p:nvPicPr>
+          <p:cNvPr id="2051" name="Picture 3"/>
+          <p:cNvPicPr>
+            <a:picLocks noChangeAspect="1" noChangeArrowheads="1"/>
+          </p:cNvPicPr>
+          <p:nvPr/>
+        </p:nvPicPr>
+        <p:blipFill>
+          <a:blip r:embed="rId2">
+            <a:extLst>
+              <a:ext uri="{28A0092B-C50C-407E-A947-70E740481C1C}">
+                <a14:useLocalDpi xmlns:a14="http://schemas.microsoft.com/office/drawing/2010/main" val="0"/>
+              </a:ext>
+            </a:extLst>
+          </a:blip>
+          <a:srcRect/>
+          <a:stretch>
+            <a:fillRect/>
+          </a:stretch>
+        </p:blipFill>
+        <p:spPr bwMode="auto">
+          <a:xfrm>
+            <a:off x="296689" y="2590800"/>
+            <a:ext cx="8771111" cy="795337"/>
+          </a:xfrm>
+          <a:prstGeom prst="rect">
+            <a:avLst/>
+          </a:prstGeom>
+          <a:noFill/>
+          <a:ln>
+            <a:noFill/>
+          </a:ln>
+          <a:effectLst/>
+          <a:extLst>
+            <a:ext uri="{909E8E84-426E-40DD-AFC4-6F175D3DCCD1}">
+              <a14:hiddenFill xmlns:a14="http://schemas.microsoft.com/office/drawing/2010/main">
+                <a:solidFill>
+                  <a:schemeClr val="accent1"/>
+                </a:solidFill>
+              </a14:hiddenFill>
+            </a:ext>
+            <a:ext uri="{91240B29-F687-4F45-9708-019B960494DF}">
+              <a14:hiddenLine xmlns:a14="http://schemas.microsoft.com/office/drawing/2010/main" w="9525">
+                <a:solidFill>
+                  <a:schemeClr val="tx1"/>
+                </a:solidFill>
+                <a:miter lim="800000"/>
+                <a:headEnd/>
+                <a:tailEnd/>
+              </a14:hiddenLine>
+            </a:ext>
+            <a:ext uri="{AF507438-7753-43E0-B8FC-AC1667EBCBE1}">
+              <a14:hiddenEffects xmlns:a14="http://schemas.microsoft.com/office/drawing/2010/main">
+                <a:effectLst>
+                  <a:outerShdw dist="35921" dir="2700000" algn="ctr" rotWithShape="0">
+                    <a:schemeClr val="bg2"/>
+                  </a:outerShdw>
+                </a:effectLst>
+              </a14:hiddenEffects>
+            </a:ext>
+          </a:extLst>
+        </p:spPr>
+      </p:pic>
+    </p:spTree>
+    <p:extLst>
+      <p:ext uri="{BB962C8B-B14F-4D97-AF65-F5344CB8AC3E}">
+        <p14:creationId xmlns:p14="http://schemas.microsoft.com/office/powerpoint/2010/main" val="3276250025"/>
+      </p:ext>
+    </p:extLst>
+  </p:cSld>
+  <p:clrMapOvr>
+    <a:masterClrMapping/>
+  </p:clrMapOvr>
+</p:sld>
+</file>
+
+<file path=ppt/slides/slide6.xml><?xml version="1.0" encoding="utf-8"?>
+<p:sld xmlns:a="http://schemas.openxmlformats.org/drawingml/2006/main" xmlns:r="http://schemas.openxmlformats.org/officeDocument/2006/relationships" xmlns:p="http://schemas.openxmlformats.org/presentationml/2006/main">
+  <p:cSld>
+    <p:spTree>
+      <p:nvGrpSpPr>
+        <p:cNvPr id="1" name=""/>
+        <p:cNvGrpSpPr/>
+        <p:nvPr/>
+      </p:nvGrpSpPr>
+      <p:grpSpPr>
+        <a:xfrm>
+          <a:off x="0" y="0"/>
+          <a:ext cx="0" cy="0"/>
+          <a:chOff x="0" y="0"/>
+          <a:chExt cx="0" cy="0"/>
+        </a:xfrm>
+      </p:grpSpPr>
+      <p:sp>
+        <p:nvSpPr>
+          <p:cNvPr id="2" name="Title 1"/>
+          <p:cNvSpPr>
+            <a:spLocks noGrp="1"/>
+          </p:cNvSpPr>
+          <p:nvPr>
+            <p:ph type="title"/>
+          </p:nvPr>
+        </p:nvSpPr>
+        <p:spPr/>
+        <p:txBody>
+          <a:bodyPr/>
+          <a:lstStyle/>
+          <a:p>
+            <a:r>
+              <a:rPr lang="en-US" dirty="0" smtClean="0"/>
+              <a:t>Samples by Method</a:t>
+            </a:r>
+            <a:endParaRPr lang="en-US" dirty="0"/>
+          </a:p>
+        </p:txBody>
+      </p:sp>
+      <p:pic>
+        <p:nvPicPr>
+          <p:cNvPr id="2052" name="Picture 4"/>
+          <p:cNvPicPr>
+            <a:picLocks noChangeAspect="1" noChangeArrowheads="1"/>
+          </p:cNvPicPr>
+          <p:nvPr/>
+        </p:nvPicPr>
+        <p:blipFill>
+          <a:blip r:embed="rId2">
+            <a:extLst>
+              <a:ext uri="{28A0092B-C50C-407E-A947-70E740481C1C}">
+                <a14:useLocalDpi xmlns:a14="http://schemas.microsoft.com/office/drawing/2010/main" val="0"/>
+              </a:ext>
+            </a:extLst>
+          </a:blip>
+          <a:srcRect/>
+          <a:stretch>
+            <a:fillRect/>
+          </a:stretch>
+        </p:blipFill>
+        <p:spPr bwMode="auto">
+          <a:xfrm>
+            <a:off x="2057400" y="1600200"/>
+            <a:ext cx="5165710" cy="3657600"/>
+          </a:xfrm>
+          <a:prstGeom prst="rect">
+            <a:avLst/>
+          </a:prstGeom>
+          <a:noFill/>
+          <a:ln>
+            <a:noFill/>
+          </a:ln>
+          <a:effectLst/>
+          <a:extLst>
+            <a:ext uri="{909E8E84-426E-40DD-AFC4-6F175D3DCCD1}">
+              <a14:hiddenFill xmlns:a14="http://schemas.microsoft.com/office/drawing/2010/main">
+                <a:solidFill>
+                  <a:schemeClr val="accent1"/>
+                </a:solidFill>
+              </a14:hiddenFill>
+            </a:ext>
+            <a:ext uri="{91240B29-F687-4F45-9708-019B960494DF}">
+              <a14:hiddenLine xmlns:a14="http://schemas.microsoft.com/office/drawing/2010/main" w="9525">
+                <a:solidFill>
+                  <a:schemeClr val="tx1"/>
+                </a:solidFill>
+                <a:miter lim="800000"/>
+                <a:headEnd/>
+                <a:tailEnd/>
+              </a14:hiddenLine>
+            </a:ext>
+            <a:ext uri="{AF507438-7753-43E0-B8FC-AC1667EBCBE1}">
+              <a14:hiddenEffects xmlns:a14="http://schemas.microsoft.com/office/drawing/2010/main">
+                <a:effectLst>
+                  <a:outerShdw dist="35921" dir="2700000" algn="ctr" rotWithShape="0">
+                    <a:schemeClr val="bg2"/>
+                  </a:outerShdw>
+                </a:effectLst>
+              </a14:hiddenEffects>
+            </a:ext>
+          </a:extLst>
+        </p:spPr>
+      </p:pic>
+    </p:spTree>
+    <p:extLst>
+      <p:ext uri="{BB962C8B-B14F-4D97-AF65-F5344CB8AC3E}">
+        <p14:creationId xmlns:p14="http://schemas.microsoft.com/office/powerpoint/2010/main" val="2233046391"/>
+      </p:ext>
+    </p:extLst>
+  </p:cSld>
+  <p:clrMapOvr>
+    <a:masterClrMapping/>
+  </p:clrMapOvr>
+</p:sld>
+</file>
+
+<file path=ppt/slides/slide7.xml><?xml version="1.0" encoding="utf-8"?>
+<p:sld xmlns:a="http://schemas.openxmlformats.org/drawingml/2006/main" xmlns:r="http://schemas.openxmlformats.org/officeDocument/2006/relationships" xmlns:p="http://schemas.openxmlformats.org/presentationml/2006/main">
+  <p:cSld>
+    <p:spTree>
+      <p:nvGrpSpPr>
+        <p:cNvPr id="1" name=""/>
+        <p:cNvGrpSpPr/>
+        <p:nvPr/>
+      </p:nvGrpSpPr>
+      <p:grpSpPr>
+        <a:xfrm>
+          <a:off x="0" y="0"/>
+          <a:ext cx="0" cy="0"/>
+          <a:chOff x="0" y="0"/>
+          <a:chExt cx="0" cy="0"/>
+        </a:xfrm>
+      </p:grpSpPr>
+      <p:sp>
+        <p:nvSpPr>
+          <p:cNvPr id="2" name="Title 1"/>
+          <p:cNvSpPr>
+            <a:spLocks noGrp="1"/>
+          </p:cNvSpPr>
+          <p:nvPr>
+            <p:ph type="title"/>
+          </p:nvPr>
+        </p:nvSpPr>
+        <p:spPr/>
+        <p:txBody>
+          <a:bodyPr/>
+          <a:lstStyle/>
+          <a:p>
+            <a:r>
+              <a:rPr lang="en-US" dirty="0" smtClean="0"/>
+              <a:t>Samples by Units</a:t>
+            </a:r>
+            <a:endParaRPr lang="en-US" dirty="0"/>
+          </a:p>
+        </p:txBody>
+      </p:sp>
+      <p:pic>
+        <p:nvPicPr>
+          <p:cNvPr id="3073" name="Picture 1"/>
+          <p:cNvPicPr>
+            <a:picLocks noChangeAspect="1" noChangeArrowheads="1"/>
+          </p:cNvPicPr>
+          <p:nvPr/>
+        </p:nvPicPr>
+        <p:blipFill>
+          <a:blip r:embed="rId2">
+            <a:extLst>
+              <a:ext uri="{28A0092B-C50C-407E-A947-70E740481C1C}">
+                <a14:useLocalDpi xmlns:a14="http://schemas.microsoft.com/office/drawing/2010/main" val="0"/>
+              </a:ext>
+            </a:extLst>
+          </a:blip>
+          <a:srcRect/>
+          <a:stretch>
+            <a:fillRect/>
+          </a:stretch>
+        </p:blipFill>
+        <p:spPr bwMode="auto">
+          <a:xfrm>
+            <a:off x="946030" y="2057400"/>
+            <a:ext cx="7283570" cy="2590800"/>
+          </a:xfrm>
+          <a:prstGeom prst="rect">
+            <a:avLst/>
+          </a:prstGeom>
+          <a:noFill/>
+          <a:ln>
+            <a:noFill/>
+          </a:ln>
+          <a:effectLst/>
+          <a:extLst>
+            <a:ext uri="{909E8E84-426E-40DD-AFC4-6F175D3DCCD1}">
+              <a14:hiddenFill xmlns:a14="http://schemas.microsoft.com/office/drawing/2010/main">
+                <a:solidFill>
+                  <a:schemeClr val="accent1"/>
+                </a:solidFill>
+              </a14:hiddenFill>
+            </a:ext>
+            <a:ext uri="{91240B29-F687-4F45-9708-019B960494DF}">
+              <a14:hiddenLine xmlns:a14="http://schemas.microsoft.com/office/drawing/2010/main" w="9525">
+                <a:solidFill>
+                  <a:schemeClr val="tx1"/>
+                </a:solidFill>
+                <a:miter lim="800000"/>
+                <a:headEnd/>
+                <a:tailEnd/>
+              </a14:hiddenLine>
+            </a:ext>
+            <a:ext uri="{AF507438-7753-43E0-B8FC-AC1667EBCBE1}">
+              <a14:hiddenEffects xmlns:a14="http://schemas.microsoft.com/office/drawing/2010/main">
+                <a:effectLst>
+                  <a:outerShdw dist="35921" dir="2700000" algn="ctr" rotWithShape="0">
+                    <a:schemeClr val="bg2"/>
+                  </a:outerShdw>
+                </a:effectLst>
+              </a14:hiddenEffects>
+            </a:ext>
+          </a:extLst>
+        </p:spPr>
+      </p:pic>
+    </p:spTree>
+    <p:extLst>
+      <p:ext uri="{BB962C8B-B14F-4D97-AF65-F5344CB8AC3E}">
+        <p14:creationId xmlns:p14="http://schemas.microsoft.com/office/powerpoint/2010/main" val="871504964"/>
+      </p:ext>
+    </p:extLst>
+  </p:cSld>
+  <p:clrMapOvr>
+    <a:masterClrMapping/>
+  </p:clrMapOvr>
+</p:sld>
+</file>
+
+<file path=ppt/slides/slide8.xml><?xml version="1.0" encoding="utf-8"?>
+<p:sld xmlns:a="http://schemas.openxmlformats.org/drawingml/2006/main" xmlns:r="http://schemas.openxmlformats.org/officeDocument/2006/relationships" xmlns:p="http://schemas.openxmlformats.org/presentationml/2006/main">
+  <p:cSld>
+    <p:spTree>
+      <p:nvGrpSpPr>
+        <p:cNvPr id="1" name=""/>
+        <p:cNvGrpSpPr/>
+        <p:nvPr/>
+      </p:nvGrpSpPr>
+      <p:grpSpPr>
+        <a:xfrm>
+          <a:off x="0" y="0"/>
+          <a:ext cx="0" cy="0"/>
+          <a:chOff x="0" y="0"/>
+          <a:chExt cx="0" cy="0"/>
+        </a:xfrm>
+      </p:grpSpPr>
+      <p:sp>
+        <p:nvSpPr>
+          <p:cNvPr id="2" name="Title 1"/>
+          <p:cNvSpPr>
+            <a:spLocks noGrp="1"/>
+          </p:cNvSpPr>
+          <p:nvPr>
+            <p:ph type="title"/>
+          </p:nvPr>
+        </p:nvSpPr>
+        <p:spPr/>
+        <p:txBody>
+          <a:bodyPr/>
+          <a:lstStyle/>
+          <a:p>
+            <a:r>
+              <a:rPr lang="en-US" dirty="0" smtClean="0"/>
+              <a:t>Data Report Available</a:t>
+            </a:r>
+            <a:endParaRPr lang="en-US" dirty="0"/>
+          </a:p>
+        </p:txBody>
+      </p:sp>
+      <p:sp>
+        <p:nvSpPr>
+          <p:cNvPr id="3" name="Content Placeholder 2"/>
+          <p:cNvSpPr>
+            <a:spLocks noGrp="1"/>
+          </p:cNvSpPr>
+          <p:nvPr>
+            <p:ph idx="1"/>
+          </p:nvPr>
+        </p:nvSpPr>
+        <p:spPr>
+          <a:xfrm>
+            <a:off x="228600" y="1600200"/>
+            <a:ext cx="8763000" cy="4525963"/>
+          </a:xfrm>
+        </p:spPr>
+        <p:txBody>
+          <a:bodyPr>
+            <a:normAutofit/>
+          </a:bodyPr>
+          <a:lstStyle/>
+          <a:p>
+            <a:r>
+              <a:rPr lang="en-US" sz="3600" dirty="0">
+                <a:hlinkClick r:id="rId2"/>
+              </a:rPr>
+              <a:t>https://</a:t>
+            </a:r>
+            <a:r>
+              <a:rPr lang="en-US" sz="3600" dirty="0" smtClean="0">
+                <a:hlinkClick r:id="rId2"/>
+              </a:rPr>
+              <a:t>github.com/willbmisled/Reg1Cyano/blob/master/Data2014/Data2014.md</a:t>
+            </a:r>
+            <a:endParaRPr lang="en-US" sz="3600" dirty="0" smtClean="0"/>
+          </a:p>
+          <a:p>
+            <a:r>
+              <a:rPr lang="en-US" sz="3600" dirty="0" smtClean="0"/>
+              <a:t>Data Available in CSV format</a:t>
+            </a:r>
+          </a:p>
+          <a:p>
+            <a:r>
+              <a:rPr lang="en-US" sz="3600" dirty="0" smtClean="0"/>
+              <a:t>What is CSV Format?</a:t>
+            </a:r>
+            <a:endParaRPr lang="en-US" sz="3600" dirty="0"/>
+          </a:p>
+        </p:txBody>
+      </p:sp>
+    </p:spTree>
+    <p:extLst>
+      <p:ext uri="{BB962C8B-B14F-4D97-AF65-F5344CB8AC3E}">
+        <p14:creationId xmlns:p14="http://schemas.microsoft.com/office/powerpoint/2010/main" val="276109106"/>
+      </p:ext>
+    </p:extLst>
+  </p:cSld>
+  <p:clrMapOvr>
+    <a:masterClrMapping/>
+  </p:clrMapOvr>
+</p:sld>
+</file>
+
+<file path=ppt/slides/slide9.xml><?xml version="1.0" encoding="utf-8"?>
+<p:sld xmlns:a="http://schemas.openxmlformats.org/drawingml/2006/main" xmlns:r="http://schemas.openxmlformats.org/officeDocument/2006/relationships" xmlns:p="http://schemas.openxmlformats.org/presentationml/2006/main">
+  <p:cSld>
+    <p:spTree>
+      <p:nvGrpSpPr>
+        <p:cNvPr id="1" name=""/>
+        <p:cNvGrpSpPr/>
+        <p:nvPr/>
+      </p:nvGrpSpPr>
+      <p:grpSpPr>
+        <a:xfrm>
+          <a:off x="0" y="0"/>
+          <a:ext cx="0" cy="0"/>
+          <a:chOff x="0" y="0"/>
+          <a:chExt cx="0" cy="0"/>
+        </a:xfrm>
+      </p:grpSpPr>
+      <p:sp>
+        <p:nvSpPr>
+          <p:cNvPr id="2" name="Title 1"/>
+          <p:cNvSpPr>
+            <a:spLocks noGrp="1"/>
+          </p:cNvSpPr>
+          <p:nvPr>
+            <p:ph type="title"/>
+          </p:nvPr>
+        </p:nvSpPr>
+        <p:spPr/>
+        <p:txBody>
+          <a:bodyPr/>
+          <a:lstStyle/>
+          <a:p>
+            <a:r>
+              <a:rPr lang="en-US" dirty="0" smtClean="0"/>
+              <a:t>Next Steps</a:t>
+            </a:r>
+            <a:endParaRPr lang="en-US" dirty="0"/>
+          </a:p>
+        </p:txBody>
+      </p:sp>
+      <p:sp>
+        <p:nvSpPr>
+          <p:cNvPr id="3" name="Content Placeholder 2"/>
+          <p:cNvSpPr>
+            <a:spLocks noGrp="1"/>
+          </p:cNvSpPr>
+          <p:nvPr>
+            <p:ph idx="1"/>
+          </p:nvPr>
+        </p:nvSpPr>
+        <p:spPr/>
+        <p:txBody>
+          <a:bodyPr/>
+          <a:lstStyle/>
+          <a:p>
+            <a:r>
+              <a:rPr lang="en-US" dirty="0" smtClean="0"/>
+              <a:t>QA/QC</a:t>
+            </a:r>
+          </a:p>
+          <a:p>
+            <a:pPr lvl="1"/>
+            <a:r>
+              <a:rPr lang="en-US" dirty="0"/>
+              <a:t>C</a:t>
+            </a:r>
+            <a:r>
+              <a:rPr lang="en-US" dirty="0" smtClean="0"/>
+              <a:t>ompare aggregated data to the raw data</a:t>
+            </a:r>
+          </a:p>
+          <a:p>
+            <a:pPr lvl="1"/>
+            <a:r>
+              <a:rPr lang="en-US" dirty="0" smtClean="0"/>
+              <a:t>Validate locations</a:t>
+            </a:r>
+          </a:p>
+          <a:p>
+            <a:pPr lvl="1"/>
+            <a:r>
+              <a:rPr lang="en-US" dirty="0" smtClean="0"/>
+              <a:t>Redefine Locations and Lakes</a:t>
+            </a:r>
+          </a:p>
+          <a:p>
+            <a:r>
+              <a:rPr lang="en-US" dirty="0" smtClean="0"/>
+              <a:t>Create Wide Format Views for Analysis</a:t>
+            </a:r>
+          </a:p>
+          <a:p>
+            <a:r>
+              <a:rPr lang="en-US" dirty="0" smtClean="0"/>
+              <a:t>Add missing data</a:t>
+            </a:r>
+          </a:p>
+          <a:p>
+            <a:r>
+              <a:rPr lang="en-US" dirty="0" smtClean="0"/>
+              <a:t>Add Ancillary Data</a:t>
+            </a:r>
+          </a:p>
+          <a:p>
+            <a:r>
+              <a:rPr lang="en-US" dirty="0" smtClean="0"/>
+              <a:t>Phone App</a:t>
+            </a:r>
+          </a:p>
+          <a:p>
+            <a:endParaRPr lang="en-US" dirty="0"/>
+          </a:p>
+        </p:txBody>
+      </p:sp>
+    </p:spTree>
+    <p:extLst>
+      <p:ext uri="{BB962C8B-B14F-4D97-AF65-F5344CB8AC3E}">
+        <p14:creationId xmlns:p14="http://schemas.microsoft.com/office/powerpoint/2010/main" val="4201309303"/>
+      </p:ext>
+    </p:extLst>
   </p:cSld>
   <p:clrMapOvr>
     <a:masterClrMapping/>
